--- a/content/post/presentation_0993421052631561 422.pptx
+++ b/content/post/presentation_0993421052631561 422.pptx
@@ -23255,7 +23255,7 @@
       </p:sp>
       <p:pic xmlns:a="http://schemas.openxmlformats.org/drawingml/2006/main" xmlns:r="http://schemas.openxmlformats.org/officeDocument/2006/relationships" xmlns:p="http://schemas.openxmlformats.org/presentationml/2006/main">
         <p:nvPicPr>
-          <p:cNvPr id="3" name="Content Placeholder 2"/>
+          <p:cNvPr id="3" name="Content Placeholder 2" descr=""/>
           <p:cNvPicPr>
             <a:picLocks noGrp="1"/>
           </p:cNvPicPr>
@@ -23362,7 +23362,7 @@
       </p:sp>
       <p:pic xmlns:a="http://schemas.openxmlformats.org/drawingml/2006/main" xmlns:r="http://schemas.openxmlformats.org/officeDocument/2006/relationships" xmlns:p="http://schemas.openxmlformats.org/presentationml/2006/main">
         <p:nvPicPr>
-          <p:cNvPr id="3" name="Espace réservé du contenu 3"/>
+          <p:cNvPr id="3" name="Espace réservé du contenu 3" descr=""/>
           <p:cNvPicPr>
             <a:picLocks noGrp="1"/>
           </p:cNvPicPr>
@@ -23415,7 +23415,7 @@
       </p:sp>
       <p:pic xmlns:a="http://schemas.openxmlformats.org/drawingml/2006/main" xmlns:r="http://schemas.openxmlformats.org/officeDocument/2006/relationships" xmlns:p="http://schemas.openxmlformats.org/presentationml/2006/main">
         <p:nvPicPr>
-          <p:cNvPr id="5" name="Espace réservé du contenu 6"/>
+          <p:cNvPr id="5" name="Espace réservé du contenu 6" descr=""/>
           <p:cNvPicPr>
             <a:picLocks noGrp="1"/>
           </p:cNvPicPr>
